--- a/DATA-SCIENTIST-II/presentacion/Presentación proyecto final.pptx
+++ b/DATA-SCIENTIST-II/presentacion/Presentación proyecto final.pptx
@@ -6,7 +6,7 @@
     <p:sldMasterId id="2147483669" r:id="rId2"/>
   </p:sldMasterIdLst>
   <p:notesMasterIdLst>
-    <p:notesMasterId r:id="rId15"/>
+    <p:notesMasterId r:id="rId16"/>
   </p:notesMasterIdLst>
   <p:sldIdLst>
     <p:sldId id="256" r:id="rId3"/>
@@ -21,27 +21,28 @@
     <p:sldId id="265" r:id="rId12"/>
     <p:sldId id="266" r:id="rId13"/>
     <p:sldId id="267" r:id="rId14"/>
+    <p:sldId id="269" r:id="rId15"/>
   </p:sldIdLst>
   <p:sldSz cx="9144000" cy="5143500" type="screen16x9"/>
   <p:notesSz cx="6858000" cy="9144000"/>
   <p:embeddedFontLst>
     <p:embeddedFont>
       <p:font typeface="Comfortaa" panose="020B0604020202020204" charset="0"/>
-      <p:bold r:id="rId16"/>
+      <p:bold r:id="rId17"/>
     </p:embeddedFont>
     <p:embeddedFont>
       <p:font typeface="Raleway Medium" pitchFamily="2" charset="0"/>
-      <p:regular r:id="rId17"/>
-      <p:bold r:id="rId18"/>
-      <p:italic r:id="rId19"/>
-      <p:boldItalic r:id="rId20"/>
+      <p:regular r:id="rId18"/>
+      <p:bold r:id="rId19"/>
+      <p:italic r:id="rId20"/>
+      <p:boldItalic r:id="rId21"/>
     </p:embeddedFont>
     <p:embeddedFont>
       <p:font typeface="Roboto Mono" panose="00000009000000000000" pitchFamily="49" charset="0"/>
-      <p:regular r:id="rId21"/>
-      <p:bold r:id="rId22"/>
-      <p:italic r:id="rId23"/>
-      <p:boldItalic r:id="rId24"/>
+      <p:regular r:id="rId22"/>
+      <p:bold r:id="rId23"/>
+      <p:italic r:id="rId24"/>
+      <p:boldItalic r:id="rId25"/>
     </p:embeddedFont>
   </p:embeddedFontLst>
   <p:defaultTextStyle>
@@ -1454,6 +1455,217 @@
         </p:txBody>
       </p:sp>
     </p:spTree>
+  </p:cSld>
+  <p:clrMapOvr>
+    <a:masterClrMapping/>
+  </p:clrMapOvr>
+</p:notes>
+</file>
+
+<file path=ppt/notesSlides/notesSlide13.xml><?xml version="1.0" encoding="utf-8"?>
+<p:notes xmlns:a="http://schemas.openxmlformats.org/drawingml/2006/main" xmlns:r="http://schemas.openxmlformats.org/officeDocument/2006/relationships" xmlns:p="http://schemas.openxmlformats.org/presentationml/2006/main" showMasterSp="0" showMasterPhAnim="0">
+  <p:cSld>
+    <p:spTree>
+      <p:nvGrpSpPr>
+        <p:cNvPr id="1" name="Shape 184">
+          <a:extLst>
+            <a:ext uri="{FF2B5EF4-FFF2-40B4-BE49-F238E27FC236}">
+              <a16:creationId xmlns:a16="http://schemas.microsoft.com/office/drawing/2014/main" id="{CF0639BE-6400-9AC5-DB3D-723F875235C0}"/>
+            </a:ext>
+          </a:extLst>
+        </p:cNvPr>
+        <p:cNvGrpSpPr/>
+        <p:nvPr/>
+      </p:nvGrpSpPr>
+      <p:grpSpPr>
+        <a:xfrm>
+          <a:off x="0" y="0"/>
+          <a:ext cx="0" cy="0"/>
+          <a:chOff x="0" y="0"/>
+          <a:chExt cx="0" cy="0"/>
+        </a:xfrm>
+      </p:grpSpPr>
+      <p:sp>
+        <p:nvSpPr>
+          <p:cNvPr id="185" name="Google Shape;185;g35ab5569a0a_2_64:notes">
+            <a:extLst>
+              <a:ext uri="{FF2B5EF4-FFF2-40B4-BE49-F238E27FC236}">
+                <a16:creationId xmlns:a16="http://schemas.microsoft.com/office/drawing/2014/main" id="{2C6B3AFB-9D57-6773-3FAA-667267A803DD}"/>
+              </a:ext>
+            </a:extLst>
+          </p:cNvPr>
+          <p:cNvSpPr>
+            <a:spLocks noGrp="1" noRot="1" noChangeAspect="1"/>
+          </p:cNvSpPr>
+          <p:nvPr>
+            <p:ph type="sldImg" idx="2"/>
+          </p:nvPr>
+        </p:nvSpPr>
+        <p:spPr>
+          <a:xfrm>
+            <a:off x="-728663" y="0"/>
+            <a:ext cx="3332163" cy="1874838"/>
+          </a:xfrm>
+          <a:custGeom>
+            <a:avLst/>
+            <a:gdLst/>
+            <a:ahLst/>
+            <a:cxnLst/>
+            <a:rect l="l" t="t" r="r" b="b"/>
+            <a:pathLst>
+              <a:path w="120000" h="120000" extrusionOk="0">
+                <a:moveTo>
+                  <a:pt x="0" y="0"/>
+                </a:moveTo>
+                <a:lnTo>
+                  <a:pt x="120000" y="0"/>
+                </a:lnTo>
+                <a:lnTo>
+                  <a:pt x="120000" y="120000"/>
+                </a:lnTo>
+                <a:lnTo>
+                  <a:pt x="0" y="120000"/>
+                </a:lnTo>
+                <a:close/>
+              </a:path>
+            </a:pathLst>
+          </a:custGeom>
+          <a:noFill/>
+          <a:ln>
+            <a:noFill/>
+          </a:ln>
+        </p:spPr>
+      </p:sp>
+      <p:sp>
+        <p:nvSpPr>
+          <p:cNvPr id="186" name="Google Shape;186;g35ab5569a0a_2_64:notes">
+            <a:extLst>
+              <a:ext uri="{FF2B5EF4-FFF2-40B4-BE49-F238E27FC236}">
+                <a16:creationId xmlns:a16="http://schemas.microsoft.com/office/drawing/2014/main" id="{CD59D5CB-D189-FD03-281C-7165CFCCE0B0}"/>
+              </a:ext>
+            </a:extLst>
+          </p:cNvPr>
+          <p:cNvSpPr txBox="1">
+            <a:spLocks noGrp="1"/>
+          </p:cNvSpPr>
+          <p:nvPr>
+            <p:ph type="body" idx="1"/>
+          </p:nvPr>
+        </p:nvSpPr>
+        <p:spPr>
+          <a:xfrm>
+            <a:off x="0" y="0"/>
+            <a:ext cx="2500000" cy="1875000"/>
+          </a:xfrm>
+          <a:prstGeom prst="rect">
+            <a:avLst/>
+          </a:prstGeom>
+          <a:noFill/>
+          <a:ln>
+            <a:noFill/>
+          </a:ln>
+        </p:spPr>
+        <p:txBody>
+          <a:bodyPr spcFirstLastPara="1" wrap="square" lIns="69850" tIns="34900" rIns="69850" bIns="34900" anchor="t" anchorCtr="0">
+            <a:noAutofit/>
+          </a:bodyPr>
+          <a:lstStyle/>
+          <a:p>
+            <a:pPr marL="0" marR="0" lvl="0" indent="0" algn="l" rtl="0">
+              <a:spcBef>
+                <a:spcPts val="0"/>
+              </a:spcBef>
+              <a:spcAft>
+                <a:spcPts val="0"/>
+              </a:spcAft>
+              <a:buNone/>
+            </a:pPr>
+            <a:endParaRPr sz="900">
+              <a:solidFill>
+                <a:schemeClr val="dk1"/>
+              </a:solidFill>
+              <a:latin typeface="Arial"/>
+              <a:ea typeface="Arial"/>
+              <a:cs typeface="Arial"/>
+              <a:sym typeface="Arial"/>
+            </a:endParaRPr>
+          </a:p>
+        </p:txBody>
+      </p:sp>
+      <p:sp>
+        <p:nvSpPr>
+          <p:cNvPr id="187" name="Google Shape;187;g35ab5569a0a_2_64:notes">
+            <a:extLst>
+              <a:ext uri="{FF2B5EF4-FFF2-40B4-BE49-F238E27FC236}">
+                <a16:creationId xmlns:a16="http://schemas.microsoft.com/office/drawing/2014/main" id="{88BE3D63-2099-1091-8D2E-540EA6F551F9}"/>
+              </a:ext>
+            </a:extLst>
+          </p:cNvPr>
+          <p:cNvSpPr txBox="1">
+            <a:spLocks noGrp="1"/>
+          </p:cNvSpPr>
+          <p:nvPr>
+            <p:ph type="sldNum" idx="12"/>
+          </p:nvPr>
+        </p:nvSpPr>
+        <p:spPr>
+          <a:xfrm>
+            <a:off x="0" y="0"/>
+            <a:ext cx="2500000" cy="1875000"/>
+          </a:xfrm>
+          <a:prstGeom prst="rect">
+            <a:avLst/>
+          </a:prstGeom>
+          <a:noFill/>
+          <a:ln>
+            <a:noFill/>
+          </a:ln>
+        </p:spPr>
+        <p:txBody>
+          <a:bodyPr spcFirstLastPara="1" wrap="square" lIns="69850" tIns="34900" rIns="69850" bIns="34900" anchor="t" anchorCtr="0">
+            <a:noAutofit/>
+          </a:bodyPr>
+          <a:lstStyle/>
+          <a:p>
+            <a:pPr marL="0" marR="0" lvl="0" indent="0" algn="l" rtl="0">
+              <a:spcBef>
+                <a:spcPts val="0"/>
+              </a:spcBef>
+              <a:spcAft>
+                <a:spcPts val="0"/>
+              </a:spcAft>
+              <a:buNone/>
+            </a:pPr>
+            <a:fld id="{00000000-1234-1234-1234-123412341234}" type="slidenum">
+              <a:rPr lang="es" sz="1400">
+                <a:solidFill>
+                  <a:schemeClr val="dk1"/>
+                </a:solidFill>
+                <a:latin typeface="Arial"/>
+                <a:ea typeface="Arial"/>
+                <a:cs typeface="Arial"/>
+                <a:sym typeface="Arial"/>
+              </a:rPr>
+              <a:t>13</a:t>
+            </a:fld>
+            <a:endParaRPr sz="1400">
+              <a:solidFill>
+                <a:schemeClr val="dk1"/>
+              </a:solidFill>
+              <a:latin typeface="Arial"/>
+              <a:ea typeface="Arial"/>
+              <a:cs typeface="Arial"/>
+              <a:sym typeface="Arial"/>
+            </a:endParaRPr>
+          </a:p>
+        </p:txBody>
+      </p:sp>
+    </p:spTree>
+    <p:extLst>
+      <p:ext uri="{BB962C8B-B14F-4D97-AF65-F5344CB8AC3E}">
+        <p14:creationId xmlns:p14="http://schemas.microsoft.com/office/powerpoint/2010/main" val="4187819113"/>
+      </p:ext>
+    </p:extLst>
   </p:cSld>
   <p:clrMapOvr>
     <a:masterClrMapping/>
@@ -11520,6 +11732,820 @@
 </p:sld>
 </file>
 
+<file path=ppt/slides/slide13.xml><?xml version="1.0" encoding="utf-8"?>
+<p:sld xmlns:a="http://schemas.openxmlformats.org/drawingml/2006/main" xmlns:r="http://schemas.openxmlformats.org/officeDocument/2006/relationships" xmlns:p="http://schemas.openxmlformats.org/presentationml/2006/main">
+  <p:cSld>
+    <p:spTree>
+      <p:nvGrpSpPr>
+        <p:cNvPr id="1" name="Shape 188">
+          <a:extLst>
+            <a:ext uri="{FF2B5EF4-FFF2-40B4-BE49-F238E27FC236}">
+              <a16:creationId xmlns:a16="http://schemas.microsoft.com/office/drawing/2014/main" id="{E95AEA90-5FDF-C869-91EF-E8756A95072A}"/>
+            </a:ext>
+          </a:extLst>
+        </p:cNvPr>
+        <p:cNvGrpSpPr/>
+        <p:nvPr/>
+      </p:nvGrpSpPr>
+      <p:grpSpPr>
+        <a:xfrm>
+          <a:off x="0" y="0"/>
+          <a:ext cx="0" cy="0"/>
+          <a:chOff x="0" y="0"/>
+          <a:chExt cx="0" cy="0"/>
+        </a:xfrm>
+      </p:grpSpPr>
+      <p:sp>
+        <p:nvSpPr>
+          <p:cNvPr id="189" name="Google Shape;189;p34">
+            <a:extLst>
+              <a:ext uri="{FF2B5EF4-FFF2-40B4-BE49-F238E27FC236}">
+                <a16:creationId xmlns:a16="http://schemas.microsoft.com/office/drawing/2014/main" id="{BCB55440-08D9-7039-7BF1-3AFCF0CD0EAB}"/>
+              </a:ext>
+            </a:extLst>
+          </p:cNvPr>
+          <p:cNvSpPr/>
+          <p:nvPr/>
+        </p:nvSpPr>
+        <p:spPr>
+          <a:xfrm>
+            <a:off x="825848" y="378619"/>
+            <a:ext cx="4376101" cy="764530"/>
+          </a:xfrm>
+          <a:prstGeom prst="rect">
+            <a:avLst/>
+          </a:prstGeom>
+          <a:noFill/>
+          <a:ln>
+            <a:noFill/>
+          </a:ln>
+        </p:spPr>
+        <p:txBody>
+          <a:bodyPr spcFirstLastPara="1" wrap="square" lIns="0" tIns="0" rIns="0" bIns="0" anchor="t" anchorCtr="0">
+            <a:noAutofit/>
+          </a:bodyPr>
+          <a:lstStyle/>
+          <a:p>
+            <a:pPr marL="0" marR="0" lvl="0" indent="0" algn="l" rtl="0">
+              <a:lnSpc>
+                <a:spcPct val="124675"/>
+              </a:lnSpc>
+              <a:spcBef>
+                <a:spcPts val="0"/>
+              </a:spcBef>
+              <a:spcAft>
+                <a:spcPts val="0"/>
+              </a:spcAft>
+              <a:buClr>
+                <a:srgbClr val="FFE14D"/>
+              </a:buClr>
+              <a:buSzPts val="2400"/>
+              <a:buFont typeface="Comfortaa"/>
+              <a:buNone/>
+            </a:pPr>
+            <a:r>
+              <a:rPr lang="es" sz="2400" b="1" dirty="0">
+                <a:solidFill>
+                  <a:srgbClr val="FFE14D"/>
+                </a:solidFill>
+                <a:latin typeface="Comfortaa"/>
+                <a:ea typeface="Comfortaa"/>
+                <a:cs typeface="Comfortaa"/>
+                <a:sym typeface="Comfortaa"/>
+              </a:rPr>
+              <a:t>Conclusiones</a:t>
+            </a:r>
+            <a:endParaRPr sz="2400" dirty="0">
+              <a:solidFill>
+                <a:schemeClr val="dk1"/>
+              </a:solidFill>
+              <a:latin typeface="Calibri"/>
+              <a:ea typeface="Calibri"/>
+              <a:cs typeface="Calibri"/>
+              <a:sym typeface="Calibri"/>
+            </a:endParaRPr>
+          </a:p>
+        </p:txBody>
+      </p:sp>
+      <p:sp>
+        <p:nvSpPr>
+          <p:cNvPr id="190" name="Google Shape;190;p34">
+            <a:extLst>
+              <a:ext uri="{FF2B5EF4-FFF2-40B4-BE49-F238E27FC236}">
+                <a16:creationId xmlns:a16="http://schemas.microsoft.com/office/drawing/2014/main" id="{1A681A1E-B1AC-D51B-D075-2723BBAF4844}"/>
+              </a:ext>
+            </a:extLst>
+          </p:cNvPr>
+          <p:cNvSpPr/>
+          <p:nvPr/>
+        </p:nvSpPr>
+        <p:spPr>
+          <a:xfrm>
+            <a:off x="825850" y="834449"/>
+            <a:ext cx="7273200" cy="2229837"/>
+          </a:xfrm>
+          <a:prstGeom prst="rect">
+            <a:avLst/>
+          </a:prstGeom>
+          <a:noFill/>
+          <a:ln>
+            <a:noFill/>
+          </a:ln>
+        </p:spPr>
+        <p:txBody>
+          <a:bodyPr spcFirstLastPara="1" wrap="square" lIns="0" tIns="0" rIns="0" bIns="0" anchor="t" anchorCtr="0">
+            <a:noAutofit/>
+          </a:bodyPr>
+          <a:lstStyle/>
+          <a:p>
+            <a:pPr marL="171450" marR="0" lvl="0" indent="-171450" algn="l" rtl="0">
+              <a:lnSpc>
+                <a:spcPct val="161764"/>
+              </a:lnSpc>
+              <a:spcBef>
+                <a:spcPts val="0"/>
+              </a:spcBef>
+              <a:spcAft>
+                <a:spcPts val="0"/>
+              </a:spcAft>
+              <a:buClr>
+                <a:srgbClr val="D7D4CC"/>
+              </a:buClr>
+              <a:buSzPts val="1100"/>
+              <a:buFont typeface="Arial" panose="020B0604020202020204" pitchFamily="34" charset="0"/>
+              <a:buChar char="•"/>
+            </a:pPr>
+            <a:r>
+              <a:rPr lang="es-ES" sz="1100" dirty="0">
+                <a:solidFill>
+                  <a:srgbClr val="D7D4CC"/>
+                </a:solidFill>
+                <a:latin typeface="Raleway Medium"/>
+                <a:ea typeface="Raleway Medium"/>
+                <a:cs typeface="Raleway Medium"/>
+                <a:sym typeface="Raleway Medium"/>
+              </a:rPr>
+              <a:t>Se presenta el siguiente plan de marketing para los miembros, una vez teniendo el id de usuario</a:t>
+            </a:r>
+          </a:p>
+          <a:p>
+            <a:pPr marL="171450" marR="0" lvl="0" indent="-171450" algn="l" rtl="0">
+              <a:lnSpc>
+                <a:spcPct val="161764"/>
+              </a:lnSpc>
+              <a:spcBef>
+                <a:spcPts val="0"/>
+              </a:spcBef>
+              <a:spcAft>
+                <a:spcPts val="0"/>
+              </a:spcAft>
+              <a:buClr>
+                <a:srgbClr val="D7D4CC"/>
+              </a:buClr>
+              <a:buSzPts val="1100"/>
+              <a:buFont typeface="Arial" panose="020B0604020202020204" pitchFamily="34" charset="0"/>
+              <a:buChar char="•"/>
+            </a:pPr>
+            <a:r>
+              <a:rPr lang="es-ES" sz="1100" dirty="0">
+                <a:solidFill>
+                  <a:srgbClr val="D7D4CC"/>
+                </a:solidFill>
+                <a:latin typeface="Raleway Medium"/>
+                <a:ea typeface="Calibri"/>
+                <a:cs typeface="Calibri"/>
+                <a:sym typeface="Raleway Medium"/>
+              </a:rPr>
+              <a:t>Se ubicaron las 4 estaciones mas concurridas (Canal </a:t>
+            </a:r>
+            <a:r>
+              <a:rPr lang="es-ES" sz="1100" dirty="0" err="1">
+                <a:solidFill>
+                  <a:srgbClr val="D7D4CC"/>
+                </a:solidFill>
+                <a:latin typeface="Raleway Medium"/>
+                <a:ea typeface="Calibri"/>
+                <a:cs typeface="Calibri"/>
+                <a:sym typeface="Raleway Medium"/>
+              </a:rPr>
+              <a:t>St</a:t>
+            </a:r>
+            <a:r>
+              <a:rPr lang="es-ES" sz="1100" dirty="0">
+                <a:solidFill>
+                  <a:srgbClr val="D7D4CC"/>
+                </a:solidFill>
+                <a:latin typeface="Raleway Medium"/>
+                <a:ea typeface="Calibri"/>
+                <a:cs typeface="Calibri"/>
+                <a:sym typeface="Raleway Medium"/>
+              </a:rPr>
+              <a:t> &amp; Adams </a:t>
+            </a:r>
+            <a:r>
+              <a:rPr lang="es-ES" sz="1100" dirty="0" err="1">
+                <a:solidFill>
+                  <a:srgbClr val="D7D4CC"/>
+                </a:solidFill>
+                <a:latin typeface="Raleway Medium"/>
+                <a:ea typeface="Calibri"/>
+                <a:cs typeface="Calibri"/>
+                <a:sym typeface="Raleway Medium"/>
+              </a:rPr>
+              <a:t>st</a:t>
+            </a:r>
+            <a:r>
+              <a:rPr lang="es-ES" sz="1100" dirty="0">
+                <a:solidFill>
+                  <a:srgbClr val="D7D4CC"/>
+                </a:solidFill>
+                <a:latin typeface="Raleway Medium"/>
+                <a:ea typeface="Calibri"/>
+                <a:cs typeface="Calibri"/>
+                <a:sym typeface="Raleway Medium"/>
+              </a:rPr>
+              <a:t>, Clinton </a:t>
+            </a:r>
+            <a:r>
+              <a:rPr lang="es-ES" sz="1100" dirty="0" err="1">
+                <a:solidFill>
+                  <a:srgbClr val="D7D4CC"/>
+                </a:solidFill>
+                <a:latin typeface="Raleway Medium"/>
+                <a:ea typeface="Calibri"/>
+                <a:cs typeface="Calibri"/>
+                <a:sym typeface="Raleway Medium"/>
+              </a:rPr>
+              <a:t>St</a:t>
+            </a:r>
+            <a:r>
+              <a:rPr lang="es-ES" sz="1100" dirty="0">
+                <a:solidFill>
+                  <a:srgbClr val="D7D4CC"/>
+                </a:solidFill>
+                <a:latin typeface="Raleway Medium"/>
+                <a:ea typeface="Calibri"/>
+                <a:cs typeface="Calibri"/>
+                <a:sym typeface="Raleway Medium"/>
+              </a:rPr>
+              <a:t> &amp; Madison </a:t>
+            </a:r>
+            <a:r>
+              <a:rPr lang="es-ES" sz="1100" dirty="0" err="1">
+                <a:solidFill>
+                  <a:srgbClr val="D7D4CC"/>
+                </a:solidFill>
+                <a:latin typeface="Raleway Medium"/>
+                <a:ea typeface="Calibri"/>
+                <a:cs typeface="Calibri"/>
+                <a:sym typeface="Raleway Medium"/>
+              </a:rPr>
+              <a:t>st</a:t>
+            </a:r>
+            <a:r>
+              <a:rPr lang="es-ES" sz="1100" dirty="0">
+                <a:solidFill>
+                  <a:srgbClr val="D7D4CC"/>
+                </a:solidFill>
+                <a:latin typeface="Raleway Medium"/>
+                <a:ea typeface="Calibri"/>
+                <a:cs typeface="Calibri"/>
+                <a:sym typeface="Raleway Medium"/>
+              </a:rPr>
+              <a:t>, Clinton </a:t>
+            </a:r>
+            <a:r>
+              <a:rPr lang="es-ES" sz="1100" dirty="0" err="1">
+                <a:solidFill>
+                  <a:srgbClr val="D7D4CC"/>
+                </a:solidFill>
+                <a:latin typeface="Raleway Medium"/>
+                <a:ea typeface="Calibri"/>
+                <a:cs typeface="Calibri"/>
+                <a:sym typeface="Raleway Medium"/>
+              </a:rPr>
+              <a:t>st</a:t>
+            </a:r>
+            <a:r>
+              <a:rPr lang="es-ES" sz="1100" dirty="0">
+                <a:solidFill>
+                  <a:srgbClr val="D7D4CC"/>
+                </a:solidFill>
+                <a:latin typeface="Raleway Medium"/>
+                <a:ea typeface="Calibri"/>
+                <a:cs typeface="Calibri"/>
+                <a:sym typeface="Raleway Medium"/>
+              </a:rPr>
+              <a:t> &amp; </a:t>
+            </a:r>
+            <a:r>
+              <a:rPr lang="es-ES" sz="1100" dirty="0" err="1">
+                <a:solidFill>
+                  <a:srgbClr val="D7D4CC"/>
+                </a:solidFill>
+                <a:latin typeface="Raleway Medium"/>
+                <a:ea typeface="Calibri"/>
+                <a:cs typeface="Calibri"/>
+                <a:sym typeface="Raleway Medium"/>
+              </a:rPr>
+              <a:t>Whashington</a:t>
+            </a:r>
+            <a:r>
+              <a:rPr lang="es-ES" sz="1100" dirty="0">
+                <a:solidFill>
+                  <a:srgbClr val="D7D4CC"/>
+                </a:solidFill>
+                <a:latin typeface="Raleway Medium"/>
+                <a:ea typeface="Calibri"/>
+                <a:cs typeface="Calibri"/>
+                <a:sym typeface="Raleway Medium"/>
+              </a:rPr>
+              <a:t> </a:t>
+            </a:r>
+            <a:r>
+              <a:rPr lang="es-ES" sz="1100" dirty="0" err="1">
+                <a:solidFill>
+                  <a:srgbClr val="D7D4CC"/>
+                </a:solidFill>
+                <a:latin typeface="Raleway Medium"/>
+                <a:ea typeface="Calibri"/>
+                <a:cs typeface="Calibri"/>
+                <a:sym typeface="Raleway Medium"/>
+              </a:rPr>
+              <a:t>blvd</a:t>
+            </a:r>
+            <a:r>
+              <a:rPr lang="es-ES" sz="1100" dirty="0">
+                <a:solidFill>
+                  <a:srgbClr val="D7D4CC"/>
+                </a:solidFill>
+                <a:latin typeface="Raleway Medium"/>
+                <a:ea typeface="Calibri"/>
+                <a:cs typeface="Calibri"/>
+                <a:sym typeface="Raleway Medium"/>
+              </a:rPr>
+              <a:t> y </a:t>
+            </a:r>
+            <a:r>
+              <a:rPr lang="es-ES" sz="1100" dirty="0" err="1">
+                <a:solidFill>
+                  <a:srgbClr val="D7D4CC"/>
+                </a:solidFill>
+                <a:latin typeface="Raleway Medium"/>
+                <a:ea typeface="Calibri"/>
+                <a:cs typeface="Calibri"/>
+                <a:sym typeface="Raleway Medium"/>
+              </a:rPr>
+              <a:t>Granklin</a:t>
+            </a:r>
+            <a:r>
+              <a:rPr lang="es-ES" sz="1100" dirty="0">
+                <a:solidFill>
+                  <a:srgbClr val="D7D4CC"/>
+                </a:solidFill>
+                <a:latin typeface="Raleway Medium"/>
+                <a:ea typeface="Calibri"/>
+                <a:cs typeface="Calibri"/>
+                <a:sym typeface="Raleway Medium"/>
+              </a:rPr>
+              <a:t> </a:t>
+            </a:r>
+            <a:r>
+              <a:rPr lang="es-ES" sz="1100" dirty="0" err="1">
+                <a:solidFill>
+                  <a:srgbClr val="D7D4CC"/>
+                </a:solidFill>
+                <a:latin typeface="Raleway Medium"/>
+                <a:ea typeface="Calibri"/>
+                <a:cs typeface="Calibri"/>
+                <a:sym typeface="Raleway Medium"/>
+              </a:rPr>
+              <a:t>st</a:t>
+            </a:r>
+            <a:r>
+              <a:rPr lang="es-ES" sz="1100" dirty="0">
+                <a:solidFill>
+                  <a:srgbClr val="D7D4CC"/>
+                </a:solidFill>
+                <a:latin typeface="Raleway Medium"/>
+                <a:ea typeface="Calibri"/>
+                <a:cs typeface="Calibri"/>
+                <a:sym typeface="Raleway Medium"/>
+              </a:rPr>
+              <a:t> &amp; </a:t>
+            </a:r>
+            <a:r>
+              <a:rPr lang="es-ES" sz="1100" dirty="0" err="1">
+                <a:solidFill>
+                  <a:srgbClr val="D7D4CC"/>
+                </a:solidFill>
+                <a:latin typeface="Raleway Medium"/>
+                <a:ea typeface="Calibri"/>
+                <a:cs typeface="Calibri"/>
+                <a:sym typeface="Raleway Medium"/>
+              </a:rPr>
+              <a:t>monroe</a:t>
+            </a:r>
+            <a:r>
+              <a:rPr lang="es-ES" sz="1100" dirty="0">
+                <a:solidFill>
+                  <a:srgbClr val="D7D4CC"/>
+                </a:solidFill>
+                <a:latin typeface="Raleway Medium"/>
+                <a:ea typeface="Calibri"/>
+                <a:cs typeface="Calibri"/>
+                <a:sym typeface="Raleway Medium"/>
+              </a:rPr>
+              <a:t> </a:t>
+            </a:r>
+            <a:r>
+              <a:rPr lang="es-ES" sz="1100" dirty="0" err="1">
+                <a:solidFill>
+                  <a:srgbClr val="D7D4CC"/>
+                </a:solidFill>
+                <a:latin typeface="Raleway Medium"/>
+                <a:ea typeface="Calibri"/>
+                <a:cs typeface="Calibri"/>
+                <a:sym typeface="Raleway Medium"/>
+              </a:rPr>
+              <a:t>st</a:t>
+            </a:r>
+            <a:r>
+              <a:rPr lang="es-ES" sz="1100" dirty="0">
+                <a:solidFill>
+                  <a:srgbClr val="D7D4CC"/>
+                </a:solidFill>
+                <a:latin typeface="Raleway Medium"/>
+                <a:ea typeface="Calibri"/>
+                <a:cs typeface="Calibri"/>
+                <a:sym typeface="Raleway Medium"/>
+              </a:rPr>
+              <a:t> ).</a:t>
+            </a:r>
+          </a:p>
+          <a:p>
+            <a:pPr marR="0" lvl="0" algn="l" rtl="0">
+              <a:lnSpc>
+                <a:spcPct val="161764"/>
+              </a:lnSpc>
+              <a:spcBef>
+                <a:spcPts val="0"/>
+              </a:spcBef>
+              <a:spcAft>
+                <a:spcPts val="0"/>
+              </a:spcAft>
+              <a:buClr>
+                <a:srgbClr val="D7D4CC"/>
+              </a:buClr>
+              <a:buSzPts val="1100"/>
+            </a:pPr>
+            <a:r>
+              <a:rPr lang="es-ES" sz="1100" dirty="0">
+                <a:solidFill>
+                  <a:srgbClr val="D7D4CC"/>
+                </a:solidFill>
+                <a:latin typeface="Raleway Medium"/>
+                <a:ea typeface="Calibri"/>
+                <a:cs typeface="Calibri"/>
+                <a:sym typeface="Raleway Medium"/>
+              </a:rPr>
+              <a:t>Información es valiosa para la logística de la distribución de las bicicletas. </a:t>
+            </a:r>
+          </a:p>
+          <a:p>
+            <a:pPr marL="171450" marR="0" lvl="0" indent="-171450" algn="l" rtl="0">
+              <a:lnSpc>
+                <a:spcPct val="161764"/>
+              </a:lnSpc>
+              <a:spcBef>
+                <a:spcPts val="0"/>
+              </a:spcBef>
+              <a:spcAft>
+                <a:spcPts val="0"/>
+              </a:spcAft>
+              <a:buClr>
+                <a:srgbClr val="D7D4CC"/>
+              </a:buClr>
+              <a:buSzPts val="1100"/>
+              <a:buFont typeface="Arial" panose="020B0604020202020204" pitchFamily="34" charset="0"/>
+              <a:buChar char="•"/>
+            </a:pPr>
+            <a:r>
+              <a:rPr lang="es-ES" sz="1100" dirty="0">
+                <a:solidFill>
+                  <a:srgbClr val="D7D4CC"/>
+                </a:solidFill>
+                <a:latin typeface="Raleway Medium"/>
+                <a:ea typeface="Calibri"/>
+                <a:cs typeface="Calibri"/>
+                <a:sym typeface="Raleway Medium"/>
+              </a:rPr>
+              <a:t>Se detecto que tenemos una mayor cantidad de usuarios casuales que miembros. </a:t>
+            </a:r>
+          </a:p>
+          <a:p>
+            <a:pPr marL="171450" marR="0" lvl="0" indent="-171450" algn="l" rtl="0">
+              <a:lnSpc>
+                <a:spcPct val="161764"/>
+              </a:lnSpc>
+              <a:spcBef>
+                <a:spcPts val="0"/>
+              </a:spcBef>
+              <a:spcAft>
+                <a:spcPts val="0"/>
+              </a:spcAft>
+              <a:buClr>
+                <a:srgbClr val="D7D4CC"/>
+              </a:buClr>
+              <a:buSzPts val="1100"/>
+              <a:buFont typeface="Arial" panose="020B0604020202020204" pitchFamily="34" charset="0"/>
+              <a:buChar char="•"/>
+            </a:pPr>
+            <a:r>
+              <a:rPr lang="es-ES" sz="1100" dirty="0">
+                <a:solidFill>
+                  <a:srgbClr val="D7D4CC"/>
+                </a:solidFill>
+                <a:latin typeface="Raleway Medium"/>
+                <a:ea typeface="Calibri"/>
+                <a:cs typeface="Calibri"/>
+                <a:sym typeface="Raleway Medium"/>
+              </a:rPr>
+              <a:t>Los días con mas viajes son los martes y miércoles.</a:t>
+            </a:r>
+          </a:p>
+          <a:p>
+            <a:pPr marL="171450" marR="0" lvl="0" indent="-171450" algn="l" rtl="0">
+              <a:lnSpc>
+                <a:spcPct val="161764"/>
+              </a:lnSpc>
+              <a:spcBef>
+                <a:spcPts val="0"/>
+              </a:spcBef>
+              <a:spcAft>
+                <a:spcPts val="0"/>
+              </a:spcAft>
+              <a:buClr>
+                <a:srgbClr val="D7D4CC"/>
+              </a:buClr>
+              <a:buSzPts val="1100"/>
+              <a:buFont typeface="Arial" panose="020B0604020202020204" pitchFamily="34" charset="0"/>
+              <a:buChar char="•"/>
+            </a:pPr>
+            <a:r>
+              <a:rPr lang="es-ES" sz="1100" dirty="0">
+                <a:solidFill>
+                  <a:srgbClr val="D7D4CC"/>
+                </a:solidFill>
+                <a:latin typeface="Raleway Medium"/>
+                <a:ea typeface="Calibri"/>
+                <a:cs typeface="Calibri"/>
+                <a:sym typeface="Raleway Medium"/>
+              </a:rPr>
+              <a:t>Se identificaron las rutas mas transcurridas.</a:t>
+            </a:r>
+          </a:p>
+          <a:p>
+            <a:pPr marL="171450" marR="0" lvl="0" indent="-171450" algn="l" rtl="0">
+              <a:lnSpc>
+                <a:spcPct val="161764"/>
+              </a:lnSpc>
+              <a:spcBef>
+                <a:spcPts val="0"/>
+              </a:spcBef>
+              <a:spcAft>
+                <a:spcPts val="0"/>
+              </a:spcAft>
+              <a:buClr>
+                <a:srgbClr val="D7D4CC"/>
+              </a:buClr>
+              <a:buSzPts val="1100"/>
+              <a:buFont typeface="Arial" panose="020B0604020202020204" pitchFamily="34" charset="0"/>
+              <a:buChar char="•"/>
+            </a:pPr>
+            <a:r>
+              <a:rPr lang="es-ES" sz="1100" dirty="0">
+                <a:solidFill>
+                  <a:srgbClr val="D7D4CC"/>
+                </a:solidFill>
+                <a:latin typeface="Raleway Medium"/>
+                <a:ea typeface="Calibri"/>
+                <a:cs typeface="Calibri"/>
+                <a:sym typeface="Raleway Medium"/>
+              </a:rPr>
+              <a:t>Se identificaron las rutas mas largas.</a:t>
+            </a:r>
+          </a:p>
+          <a:p>
+            <a:pPr marL="171450" marR="0" lvl="0" indent="-171450" algn="l" rtl="0">
+              <a:lnSpc>
+                <a:spcPct val="161764"/>
+              </a:lnSpc>
+              <a:spcBef>
+                <a:spcPts val="0"/>
+              </a:spcBef>
+              <a:spcAft>
+                <a:spcPts val="0"/>
+              </a:spcAft>
+              <a:buClr>
+                <a:srgbClr val="D7D4CC"/>
+              </a:buClr>
+              <a:buSzPts val="1100"/>
+              <a:buFont typeface="Arial" panose="020B0604020202020204" pitchFamily="34" charset="0"/>
+              <a:buChar char="•"/>
+            </a:pPr>
+            <a:endParaRPr lang="es-ES" sz="1100" dirty="0">
+              <a:solidFill>
+                <a:srgbClr val="D7D4CC"/>
+              </a:solidFill>
+              <a:latin typeface="Raleway Medium"/>
+              <a:ea typeface="Calibri"/>
+              <a:cs typeface="Calibri"/>
+              <a:sym typeface="Raleway Medium"/>
+            </a:endParaRPr>
+          </a:p>
+          <a:p>
+            <a:pPr marR="0" lvl="0" algn="l" rtl="0">
+              <a:lnSpc>
+                <a:spcPct val="161764"/>
+              </a:lnSpc>
+              <a:spcBef>
+                <a:spcPts val="0"/>
+              </a:spcBef>
+              <a:spcAft>
+                <a:spcPts val="0"/>
+              </a:spcAft>
+              <a:buClr>
+                <a:srgbClr val="D7D4CC"/>
+              </a:buClr>
+              <a:buSzPts val="1100"/>
+            </a:pPr>
+            <a:endParaRPr lang="es-ES" sz="1100" dirty="0">
+              <a:solidFill>
+                <a:srgbClr val="D7D4CC"/>
+              </a:solidFill>
+              <a:latin typeface="Raleway Medium"/>
+              <a:ea typeface="Calibri"/>
+              <a:cs typeface="Calibri"/>
+              <a:sym typeface="Raleway Medium"/>
+            </a:endParaRPr>
+          </a:p>
+          <a:p>
+            <a:pPr marR="0" lvl="0" algn="l" rtl="0">
+              <a:lnSpc>
+                <a:spcPct val="161764"/>
+              </a:lnSpc>
+              <a:spcBef>
+                <a:spcPts val="0"/>
+              </a:spcBef>
+              <a:spcAft>
+                <a:spcPts val="0"/>
+              </a:spcAft>
+              <a:buClr>
+                <a:srgbClr val="D7D4CC"/>
+              </a:buClr>
+              <a:buSzPts val="1100"/>
+            </a:pPr>
+            <a:endParaRPr lang="es-ES" sz="1100" dirty="0">
+              <a:solidFill>
+                <a:srgbClr val="D7D4CC"/>
+              </a:solidFill>
+              <a:latin typeface="Raleway Medium"/>
+              <a:ea typeface="Calibri"/>
+              <a:cs typeface="Calibri"/>
+              <a:sym typeface="Raleway Medium"/>
+            </a:endParaRPr>
+          </a:p>
+          <a:p>
+            <a:pPr marL="171450" marR="0" lvl="0" indent="-171450" algn="l" rtl="0">
+              <a:lnSpc>
+                <a:spcPct val="161764"/>
+              </a:lnSpc>
+              <a:spcBef>
+                <a:spcPts val="0"/>
+              </a:spcBef>
+              <a:spcAft>
+                <a:spcPts val="0"/>
+              </a:spcAft>
+              <a:buClr>
+                <a:srgbClr val="D7D4CC"/>
+              </a:buClr>
+              <a:buSzPts val="1100"/>
+              <a:buFont typeface="Arial" panose="020B0604020202020204" pitchFamily="34" charset="0"/>
+              <a:buChar char="•"/>
+            </a:pPr>
+            <a:endParaRPr lang="es-ES" sz="1100" dirty="0">
+              <a:solidFill>
+                <a:srgbClr val="D7D4CC"/>
+              </a:solidFill>
+              <a:latin typeface="Raleway Medium"/>
+              <a:ea typeface="Calibri"/>
+              <a:cs typeface="Calibri"/>
+              <a:sym typeface="Raleway Medium"/>
+            </a:endParaRPr>
+          </a:p>
+          <a:p>
+            <a:pPr marL="171450" marR="0" lvl="0" indent="-171450" algn="l" rtl="0">
+              <a:lnSpc>
+                <a:spcPct val="161764"/>
+              </a:lnSpc>
+              <a:spcBef>
+                <a:spcPts val="0"/>
+              </a:spcBef>
+              <a:spcAft>
+                <a:spcPts val="0"/>
+              </a:spcAft>
+              <a:buClr>
+                <a:srgbClr val="D7D4CC"/>
+              </a:buClr>
+              <a:buSzPts val="1100"/>
+              <a:buFont typeface="Arial" panose="020B0604020202020204" pitchFamily="34" charset="0"/>
+              <a:buChar char="•"/>
+            </a:pPr>
+            <a:endParaRPr lang="es-ES" sz="1100" dirty="0">
+              <a:solidFill>
+                <a:srgbClr val="D7D4CC"/>
+              </a:solidFill>
+              <a:latin typeface="Raleway Medium"/>
+              <a:ea typeface="Calibri"/>
+              <a:cs typeface="Calibri"/>
+              <a:sym typeface="Raleway Medium"/>
+            </a:endParaRPr>
+          </a:p>
+          <a:p>
+            <a:pPr marR="0" lvl="0" algn="l" rtl="0">
+              <a:lnSpc>
+                <a:spcPct val="161764"/>
+              </a:lnSpc>
+              <a:spcBef>
+                <a:spcPts val="0"/>
+              </a:spcBef>
+              <a:spcAft>
+                <a:spcPts val="0"/>
+              </a:spcAft>
+              <a:buClr>
+                <a:srgbClr val="D7D4CC"/>
+              </a:buClr>
+              <a:buSzPts val="1100"/>
+            </a:pPr>
+            <a:endParaRPr lang="es-ES" sz="1100" dirty="0">
+              <a:solidFill>
+                <a:schemeClr val="dk1"/>
+              </a:solidFill>
+              <a:latin typeface="Calibri"/>
+              <a:ea typeface="Calibri"/>
+              <a:cs typeface="Calibri"/>
+              <a:sym typeface="Calibri"/>
+            </a:endParaRPr>
+          </a:p>
+        </p:txBody>
+      </p:sp>
+      <p:pic>
+        <p:nvPicPr>
+          <p:cNvPr id="191" name="Google Shape;191;p34">
+            <a:extLst>
+              <a:ext uri="{FF2B5EF4-FFF2-40B4-BE49-F238E27FC236}">
+                <a16:creationId xmlns:a16="http://schemas.microsoft.com/office/drawing/2014/main" id="{5767605D-B377-2FCC-723F-7D1EBCD17ED8}"/>
+              </a:ext>
+            </a:extLst>
+          </p:cNvPr>
+          <p:cNvPicPr preferRelativeResize="0"/>
+          <p:nvPr/>
+        </p:nvPicPr>
+        <p:blipFill rotWithShape="1">
+          <a:blip r:embed="rId3">
+            <a:alphaModFix/>
+          </a:blip>
+          <a:srcRect/>
+          <a:stretch/>
+        </p:blipFill>
+        <p:spPr>
+          <a:xfrm>
+            <a:off x="7750774" y="4838084"/>
+            <a:ext cx="1393226" cy="232204"/>
+          </a:xfrm>
+          <a:prstGeom prst="rect">
+            <a:avLst/>
+          </a:prstGeom>
+          <a:noFill/>
+          <a:ln>
+            <a:noFill/>
+          </a:ln>
+        </p:spPr>
+      </p:pic>
+    </p:spTree>
+    <p:extLst>
+      <p:ext uri="{BB962C8B-B14F-4D97-AF65-F5344CB8AC3E}">
+        <p14:creationId xmlns:p14="http://schemas.microsoft.com/office/powerpoint/2010/main" val="2211705187"/>
+      </p:ext>
+    </p:extLst>
+  </p:cSld>
+  <p:clrMapOvr>
+    <a:masterClrMapping/>
+  </p:clrMapOvr>
+</p:sld>
+</file>
+
 <file path=ppt/slides/slide2.xml><?xml version="1.0" encoding="utf-8"?>
 <p:sld xmlns:a="http://schemas.openxmlformats.org/drawingml/2006/main" xmlns:r="http://schemas.openxmlformats.org/officeDocument/2006/relationships" xmlns:p="http://schemas.openxmlformats.org/presentationml/2006/main">
   <p:cSld>
